--- a/Collection Layout for ALS Disease Project.pptx
+++ b/Collection Layout for ALS Disease Project.pptx
@@ -5,7 +5,9 @@
     <p:sldMasterId id="2147483648" r:id="rId1"/>
   </p:sldMasterIdLst>
   <p:sldIdLst>
-    <p:sldId id="256" r:id="rId2"/>
+    <p:sldId id="257" r:id="rId2"/>
+    <p:sldId id="256" r:id="rId3"/>
+    <p:sldId id="258" r:id="rId4"/>
   </p:sldIdLst>
   <p:sldSz cx="12192000" cy="6858000"/>
   <p:notesSz cx="6858000" cy="9144000"/>
@@ -104,6 +106,11 @@
       </a:defRPr>
     </a:lvl9pPr>
   </p:defaultTextStyle>
+  <p:extLst>
+    <p:ext uri="{EFAFB233-063F-42B5-8137-9DF3F51BA10A}">
+      <p15:sldGuideLst xmlns:p15="http://schemas.microsoft.com/office/powerpoint/2012/main"/>
+    </p:ext>
+  </p:extLst>
 </p:presentation>
 </file>
 
@@ -254,7 +261,7 @@
           <a:p>
             <a:fld id="{BF48B145-F98B-4C78-AE94-87177324A4E4}" type="datetimeFigureOut">
               <a:rPr lang="en-US" smtClean="0"/>
-              <a:t>7/25/2024</a:t>
+              <a:t>7/26/2024</a:t>
             </a:fld>
             <a:endParaRPr lang="en-US"/>
           </a:p>
@@ -452,7 +459,7 @@
           <a:p>
             <a:fld id="{BF48B145-F98B-4C78-AE94-87177324A4E4}" type="datetimeFigureOut">
               <a:rPr lang="en-US" smtClean="0"/>
-              <a:t>7/25/2024</a:t>
+              <a:t>7/26/2024</a:t>
             </a:fld>
             <a:endParaRPr lang="en-US"/>
           </a:p>
@@ -660,7 +667,7 @@
           <a:p>
             <a:fld id="{BF48B145-F98B-4C78-AE94-87177324A4E4}" type="datetimeFigureOut">
               <a:rPr lang="en-US" smtClean="0"/>
-              <a:t>7/25/2024</a:t>
+              <a:t>7/26/2024</a:t>
             </a:fld>
             <a:endParaRPr lang="en-US"/>
           </a:p>
@@ -858,7 +865,7 @@
           <a:p>
             <a:fld id="{BF48B145-F98B-4C78-AE94-87177324A4E4}" type="datetimeFigureOut">
               <a:rPr lang="en-US" smtClean="0"/>
-              <a:t>7/25/2024</a:t>
+              <a:t>7/26/2024</a:t>
             </a:fld>
             <a:endParaRPr lang="en-US"/>
           </a:p>
@@ -1133,7 +1140,7 @@
           <a:p>
             <a:fld id="{BF48B145-F98B-4C78-AE94-87177324A4E4}" type="datetimeFigureOut">
               <a:rPr lang="en-US" smtClean="0"/>
-              <a:t>7/25/2024</a:t>
+              <a:t>7/26/2024</a:t>
             </a:fld>
             <a:endParaRPr lang="en-US"/>
           </a:p>
@@ -1398,7 +1405,7 @@
           <a:p>
             <a:fld id="{BF48B145-F98B-4C78-AE94-87177324A4E4}" type="datetimeFigureOut">
               <a:rPr lang="en-US" smtClean="0"/>
-              <a:t>7/25/2024</a:t>
+              <a:t>7/26/2024</a:t>
             </a:fld>
             <a:endParaRPr lang="en-US"/>
           </a:p>
@@ -1810,7 +1817,7 @@
           <a:p>
             <a:fld id="{BF48B145-F98B-4C78-AE94-87177324A4E4}" type="datetimeFigureOut">
               <a:rPr lang="en-US" smtClean="0"/>
-              <a:t>7/25/2024</a:t>
+              <a:t>7/26/2024</a:t>
             </a:fld>
             <a:endParaRPr lang="en-US"/>
           </a:p>
@@ -1951,7 +1958,7 @@
           <a:p>
             <a:fld id="{BF48B145-F98B-4C78-AE94-87177324A4E4}" type="datetimeFigureOut">
               <a:rPr lang="en-US" smtClean="0"/>
-              <a:t>7/25/2024</a:t>
+              <a:t>7/26/2024</a:t>
             </a:fld>
             <a:endParaRPr lang="en-US"/>
           </a:p>
@@ -2064,7 +2071,7 @@
           <a:p>
             <a:fld id="{BF48B145-F98B-4C78-AE94-87177324A4E4}" type="datetimeFigureOut">
               <a:rPr lang="en-US" smtClean="0"/>
-              <a:t>7/25/2024</a:t>
+              <a:t>7/26/2024</a:t>
             </a:fld>
             <a:endParaRPr lang="en-US"/>
           </a:p>
@@ -2375,7 +2382,7 @@
           <a:p>
             <a:fld id="{BF48B145-F98B-4C78-AE94-87177324A4E4}" type="datetimeFigureOut">
               <a:rPr lang="en-US" smtClean="0"/>
-              <a:t>7/25/2024</a:t>
+              <a:t>7/26/2024</a:t>
             </a:fld>
             <a:endParaRPr lang="en-US"/>
           </a:p>
@@ -2663,7 +2670,7 @@
           <a:p>
             <a:fld id="{BF48B145-F98B-4C78-AE94-87177324A4E4}" type="datetimeFigureOut">
               <a:rPr lang="en-US" smtClean="0"/>
-              <a:t>7/25/2024</a:t>
+              <a:t>7/26/2024</a:t>
             </a:fld>
             <a:endParaRPr lang="en-US"/>
           </a:p>
@@ -2904,7 +2911,7 @@
           <a:p>
             <a:fld id="{BF48B145-F98B-4C78-AE94-87177324A4E4}" type="datetimeFigureOut">
               <a:rPr lang="en-US" smtClean="0"/>
-              <a:t>7/25/2024</a:t>
+              <a:t>7/26/2024</a:t>
             </a:fld>
             <a:endParaRPr lang="en-US"/>
           </a:p>
@@ -3305,6 +3312,118 @@
 </file>
 
 <file path=ppt/slides/slide1.xml><?xml version="1.0" encoding="utf-8"?>
+<p:sld xmlns:a="http://schemas.openxmlformats.org/drawingml/2006/main" xmlns:r="http://schemas.openxmlformats.org/officeDocument/2006/relationships" xmlns:p="http://schemas.openxmlformats.org/presentationml/2006/main">
+  <p:cSld>
+    <p:spTree>
+      <p:nvGrpSpPr>
+        <p:cNvPr id="1" name=""/>
+        <p:cNvGrpSpPr/>
+        <p:nvPr/>
+      </p:nvGrpSpPr>
+      <p:grpSpPr>
+        <a:xfrm>
+          <a:off x="0" y="0"/>
+          <a:ext cx="0" cy="0"/>
+          <a:chOff x="0" y="0"/>
+          <a:chExt cx="0" cy="0"/>
+        </a:xfrm>
+      </p:grpSpPr>
+      <p:sp>
+        <p:nvSpPr>
+          <p:cNvPr id="2" name="Title 1">
+            <a:extLst>
+              <a:ext uri="{FF2B5EF4-FFF2-40B4-BE49-F238E27FC236}">
+                <a16:creationId xmlns:a16="http://schemas.microsoft.com/office/drawing/2014/main" id="{FA6C5C04-3FB1-C2C8-2498-691097F48B63}"/>
+              </a:ext>
+            </a:extLst>
+          </p:cNvPr>
+          <p:cNvSpPr>
+            <a:spLocks noGrp="1"/>
+          </p:cNvSpPr>
+          <p:nvPr>
+            <p:ph type="title"/>
+          </p:nvPr>
+        </p:nvSpPr>
+        <p:spPr/>
+        <p:txBody>
+          <a:bodyPr/>
+          <a:lstStyle/>
+          <a:p>
+            <a:endParaRPr lang="en-US"/>
+          </a:p>
+        </p:txBody>
+      </p:sp>
+      <p:pic>
+        <p:nvPicPr>
+          <p:cNvPr id="5" name="Content Placeholder 4">
+            <a:extLst>
+              <a:ext uri="{FF2B5EF4-FFF2-40B4-BE49-F238E27FC236}">
+                <a16:creationId xmlns:a16="http://schemas.microsoft.com/office/drawing/2014/main" id="{58A3304A-23C5-0DF2-F912-BC2B3FD071BE}"/>
+              </a:ext>
+            </a:extLst>
+          </p:cNvPr>
+          <p:cNvPicPr>
+            <a:picLocks noGrp="1" noChangeAspect="1"/>
+          </p:cNvPicPr>
+          <p:nvPr>
+            <p:ph idx="1"/>
+          </p:nvPr>
+        </p:nvPicPr>
+        <p:blipFill rotWithShape="1">
+          <a:blip r:embed="rId2"/>
+          <a:srcRect t="15493"/>
+          <a:stretch/>
+        </p:blipFill>
+        <p:spPr>
+          <a:xfrm>
+            <a:off x="1926656" y="2168372"/>
+            <a:ext cx="7201749" cy="2758736"/>
+          </a:xfrm>
+        </p:spPr>
+      </p:pic>
+      <p:pic>
+        <p:nvPicPr>
+          <p:cNvPr id="6" name="Content Placeholder 4">
+            <a:extLst>
+              <a:ext uri="{FF2B5EF4-FFF2-40B4-BE49-F238E27FC236}">
+                <a16:creationId xmlns:a16="http://schemas.microsoft.com/office/drawing/2014/main" id="{B3A61B7D-FCB6-47BE-2645-7D6BF822EC50}"/>
+              </a:ext>
+            </a:extLst>
+          </p:cNvPr>
+          <p:cNvPicPr>
+            <a:picLocks noChangeAspect="1"/>
+          </p:cNvPicPr>
+          <p:nvPr/>
+        </p:nvPicPr>
+        <p:blipFill rotWithShape="1">
+          <a:blip r:embed="rId2"/>
+          <a:srcRect r="16506" b="84251"/>
+          <a:stretch/>
+        </p:blipFill>
+        <p:spPr>
+          <a:xfrm>
+            <a:off x="3606017" y="5009472"/>
+            <a:ext cx="4623583" cy="395320"/>
+          </a:xfrm>
+          <a:prstGeom prst="rect">
+            <a:avLst/>
+          </a:prstGeom>
+        </p:spPr>
+      </p:pic>
+    </p:spTree>
+    <p:extLst>
+      <p:ext uri="{BB962C8B-B14F-4D97-AF65-F5344CB8AC3E}">
+        <p14:creationId xmlns:p14="http://schemas.microsoft.com/office/powerpoint/2010/main" val="224049815"/>
+      </p:ext>
+    </p:extLst>
+  </p:cSld>
+  <p:clrMapOvr>
+    <a:masterClrMapping/>
+  </p:clrMapOvr>
+</p:sld>
+</file>
+
+<file path=ppt/slides/slide2.xml><?xml version="1.0" encoding="utf-8"?>
 <p:sld xmlns:a="http://schemas.openxmlformats.org/drawingml/2006/main" xmlns:r="http://schemas.openxmlformats.org/officeDocument/2006/relationships" xmlns:p="http://schemas.openxmlformats.org/presentationml/2006/main">
   <p:cSld>
     <p:spTree>
@@ -4505,6 +4624,90 @@
 </p:sld>
 </file>
 
+<file path=ppt/slides/slide3.xml><?xml version="1.0" encoding="utf-8"?>
+<p:sld xmlns:a="http://schemas.openxmlformats.org/drawingml/2006/main" xmlns:r="http://schemas.openxmlformats.org/officeDocument/2006/relationships" xmlns:p="http://schemas.openxmlformats.org/presentationml/2006/main">
+  <p:cSld>
+    <p:spTree>
+      <p:nvGrpSpPr>
+        <p:cNvPr id="1" name=""/>
+        <p:cNvGrpSpPr/>
+        <p:nvPr/>
+      </p:nvGrpSpPr>
+      <p:grpSpPr>
+        <a:xfrm>
+          <a:off x="0" y="0"/>
+          <a:ext cx="0" cy="0"/>
+          <a:chOff x="0" y="0"/>
+          <a:chExt cx="0" cy="0"/>
+        </a:xfrm>
+      </p:grpSpPr>
+      <p:sp>
+        <p:nvSpPr>
+          <p:cNvPr id="2" name="Title 1">
+            <a:extLst>
+              <a:ext uri="{FF2B5EF4-FFF2-40B4-BE49-F238E27FC236}">
+                <a16:creationId xmlns:a16="http://schemas.microsoft.com/office/drawing/2014/main" id="{8336D26E-4529-42F7-C69B-53DB1C4A37A7}"/>
+              </a:ext>
+            </a:extLst>
+          </p:cNvPr>
+          <p:cNvSpPr>
+            <a:spLocks noGrp="1"/>
+          </p:cNvSpPr>
+          <p:nvPr>
+            <p:ph type="title"/>
+          </p:nvPr>
+        </p:nvSpPr>
+        <p:spPr/>
+        <p:txBody>
+          <a:bodyPr/>
+          <a:lstStyle/>
+          <a:p>
+            <a:endParaRPr lang="en-US"/>
+          </a:p>
+        </p:txBody>
+      </p:sp>
+      <p:pic>
+        <p:nvPicPr>
+          <p:cNvPr id="5" name="Content Placeholder 4">
+            <a:extLst>
+              <a:ext uri="{FF2B5EF4-FFF2-40B4-BE49-F238E27FC236}">
+                <a16:creationId xmlns:a16="http://schemas.microsoft.com/office/drawing/2014/main" id="{3B21A710-332D-8B70-B397-C8057AD3E424}"/>
+              </a:ext>
+            </a:extLst>
+          </p:cNvPr>
+          <p:cNvPicPr>
+            <a:picLocks noGrp="1" noChangeAspect="1"/>
+          </p:cNvPicPr>
+          <p:nvPr>
+            <p:ph idx="1"/>
+          </p:nvPr>
+        </p:nvPicPr>
+        <p:blipFill>
+          <a:blip r:embed="rId2"/>
+          <a:stretch>
+            <a:fillRect/>
+          </a:stretch>
+        </p:blipFill>
+        <p:spPr>
+          <a:xfrm>
+            <a:off x="4052429" y="1887769"/>
+            <a:ext cx="4548780" cy="4351338"/>
+          </a:xfrm>
+        </p:spPr>
+      </p:pic>
+    </p:spTree>
+    <p:extLst>
+      <p:ext uri="{BB962C8B-B14F-4D97-AF65-F5344CB8AC3E}">
+        <p14:creationId xmlns:p14="http://schemas.microsoft.com/office/powerpoint/2010/main" val="4022789647"/>
+      </p:ext>
+    </p:extLst>
+  </p:cSld>
+  <p:clrMapOvr>
+    <a:masterClrMapping/>
+  </p:clrMapOvr>
+</p:sld>
+</file>
+
 <file path=ppt/theme/theme1.xml><?xml version="1.0" encoding="utf-8"?>
 <a:theme xmlns:a="http://schemas.openxmlformats.org/drawingml/2006/main" name="Office Theme">
   <a:themeElements>

--- a/Collection Layout for ALS Disease Project.pptx
+++ b/Collection Layout for ALS Disease Project.pptx
@@ -6,8 +6,10 @@
   </p:sldMasterIdLst>
   <p:sldIdLst>
     <p:sldId id="257" r:id="rId2"/>
-    <p:sldId id="256" r:id="rId3"/>
-    <p:sldId id="258" r:id="rId4"/>
+    <p:sldId id="259" r:id="rId3"/>
+    <p:sldId id="260" r:id="rId4"/>
+    <p:sldId id="258" r:id="rId5"/>
+    <p:sldId id="261" r:id="rId6"/>
   </p:sldIdLst>
   <p:sldSz cx="12192000" cy="6858000"/>
   <p:notesSz cx="6858000" cy="9144000"/>
@@ -261,7 +263,7 @@
           <a:p>
             <a:fld id="{BF48B145-F98B-4C78-AE94-87177324A4E4}" type="datetimeFigureOut">
               <a:rPr lang="en-US" smtClean="0"/>
-              <a:t>7/26/2024</a:t>
+              <a:t>8/14/2024</a:t>
             </a:fld>
             <a:endParaRPr lang="en-US"/>
           </a:p>
@@ -459,7 +461,7 @@
           <a:p>
             <a:fld id="{BF48B145-F98B-4C78-AE94-87177324A4E4}" type="datetimeFigureOut">
               <a:rPr lang="en-US" smtClean="0"/>
-              <a:t>7/26/2024</a:t>
+              <a:t>8/14/2024</a:t>
             </a:fld>
             <a:endParaRPr lang="en-US"/>
           </a:p>
@@ -667,7 +669,7 @@
           <a:p>
             <a:fld id="{BF48B145-F98B-4C78-AE94-87177324A4E4}" type="datetimeFigureOut">
               <a:rPr lang="en-US" smtClean="0"/>
-              <a:t>7/26/2024</a:t>
+              <a:t>8/14/2024</a:t>
             </a:fld>
             <a:endParaRPr lang="en-US"/>
           </a:p>
@@ -865,7 +867,7 @@
           <a:p>
             <a:fld id="{BF48B145-F98B-4C78-AE94-87177324A4E4}" type="datetimeFigureOut">
               <a:rPr lang="en-US" smtClean="0"/>
-              <a:t>7/26/2024</a:t>
+              <a:t>8/14/2024</a:t>
             </a:fld>
             <a:endParaRPr lang="en-US"/>
           </a:p>
@@ -1140,7 +1142,7 @@
           <a:p>
             <a:fld id="{BF48B145-F98B-4C78-AE94-87177324A4E4}" type="datetimeFigureOut">
               <a:rPr lang="en-US" smtClean="0"/>
-              <a:t>7/26/2024</a:t>
+              <a:t>8/14/2024</a:t>
             </a:fld>
             <a:endParaRPr lang="en-US"/>
           </a:p>
@@ -1405,7 +1407,7 @@
           <a:p>
             <a:fld id="{BF48B145-F98B-4C78-AE94-87177324A4E4}" type="datetimeFigureOut">
               <a:rPr lang="en-US" smtClean="0"/>
-              <a:t>7/26/2024</a:t>
+              <a:t>8/14/2024</a:t>
             </a:fld>
             <a:endParaRPr lang="en-US"/>
           </a:p>
@@ -1817,7 +1819,7 @@
           <a:p>
             <a:fld id="{BF48B145-F98B-4C78-AE94-87177324A4E4}" type="datetimeFigureOut">
               <a:rPr lang="en-US" smtClean="0"/>
-              <a:t>7/26/2024</a:t>
+              <a:t>8/14/2024</a:t>
             </a:fld>
             <a:endParaRPr lang="en-US"/>
           </a:p>
@@ -1958,7 +1960,7 @@
           <a:p>
             <a:fld id="{BF48B145-F98B-4C78-AE94-87177324A4E4}" type="datetimeFigureOut">
               <a:rPr lang="en-US" smtClean="0"/>
-              <a:t>7/26/2024</a:t>
+              <a:t>8/14/2024</a:t>
             </a:fld>
             <a:endParaRPr lang="en-US"/>
           </a:p>
@@ -2071,7 +2073,7 @@
           <a:p>
             <a:fld id="{BF48B145-F98B-4C78-AE94-87177324A4E4}" type="datetimeFigureOut">
               <a:rPr lang="en-US" smtClean="0"/>
-              <a:t>7/26/2024</a:t>
+              <a:t>8/14/2024</a:t>
             </a:fld>
             <a:endParaRPr lang="en-US"/>
           </a:p>
@@ -2382,7 +2384,7 @@
           <a:p>
             <a:fld id="{BF48B145-F98B-4C78-AE94-87177324A4E4}" type="datetimeFigureOut">
               <a:rPr lang="en-US" smtClean="0"/>
-              <a:t>7/26/2024</a:t>
+              <a:t>8/14/2024</a:t>
             </a:fld>
             <a:endParaRPr lang="en-US"/>
           </a:p>
@@ -2670,7 +2672,7 @@
           <a:p>
             <a:fld id="{BF48B145-F98B-4C78-AE94-87177324A4E4}" type="datetimeFigureOut">
               <a:rPr lang="en-US" smtClean="0"/>
-              <a:t>7/26/2024</a:t>
+              <a:t>8/14/2024</a:t>
             </a:fld>
             <a:endParaRPr lang="en-US"/>
           </a:p>
@@ -2911,7 +2913,7 @@
           <a:p>
             <a:fld id="{BF48B145-F98B-4C78-AE94-87177324A4E4}" type="datetimeFigureOut">
               <a:rPr lang="en-US" smtClean="0"/>
-              <a:t>7/26/2024</a:t>
+              <a:t>8/14/2024</a:t>
             </a:fld>
             <a:endParaRPr lang="en-US"/>
           </a:p>
@@ -3344,12 +3346,21 @@
             <p:ph type="title"/>
           </p:nvPr>
         </p:nvSpPr>
-        <p:spPr/>
+        <p:spPr>
+          <a:xfrm>
+            <a:off x="221942" y="365125"/>
+            <a:ext cx="11131858" cy="1325563"/>
+          </a:xfrm>
+        </p:spPr>
         <p:txBody>
           <a:bodyPr/>
           <a:lstStyle/>
           <a:p>
-            <a:endParaRPr lang="en-US"/>
+            <a:pPr algn="ctr"/>
+            <a:r>
+              <a:rPr lang="en-US" dirty="0"/>
+              <a:t>Embeddings Represent data as a n-Dimensional Vectors</a:t>
+            </a:r>
           </a:p>
         </p:txBody>
       </p:sp>
@@ -3371,22 +3382,130 @@
         </p:nvPicPr>
         <p:blipFill rotWithShape="1">
           <a:blip r:embed="rId2"/>
-          <a:srcRect t="15493"/>
+          <a:srcRect l="76261" t="15493"/>
           <a:stretch/>
         </p:blipFill>
         <p:spPr>
           <a:xfrm>
-            <a:off x="1926656" y="2168372"/>
-            <a:ext cx="7201749" cy="2758736"/>
+            <a:off x="9540668" y="1915011"/>
+            <a:ext cx="2000167" cy="3227541"/>
           </a:xfrm>
         </p:spPr>
       </p:pic>
       <p:pic>
         <p:nvPicPr>
-          <p:cNvPr id="6" name="Content Placeholder 4">
-            <a:extLst>
-              <a:ext uri="{FF2B5EF4-FFF2-40B4-BE49-F238E27FC236}">
-                <a16:creationId xmlns:a16="http://schemas.microsoft.com/office/drawing/2014/main" id="{B3A61B7D-FCB6-47BE-2645-7D6BF822EC50}"/>
+          <p:cNvPr id="4" name="Picture 3">
+            <a:extLst>
+              <a:ext uri="{FF2B5EF4-FFF2-40B4-BE49-F238E27FC236}">
+                <a16:creationId xmlns:a16="http://schemas.microsoft.com/office/drawing/2014/main" id="{9ABADFF6-4C21-F588-135D-44703EAB7450}"/>
+              </a:ext>
+            </a:extLst>
+          </p:cNvPr>
+          <p:cNvPicPr>
+            <a:picLocks noChangeAspect="1"/>
+          </p:cNvPicPr>
+          <p:nvPr/>
+        </p:nvPicPr>
+        <p:blipFill>
+          <a:blip r:embed="rId3">
+            <a:extLst>
+              <a:ext uri="{28A0092B-C50C-407E-A947-70E740481C1C}">
+                <a14:useLocalDpi xmlns:a14="http://schemas.microsoft.com/office/drawing/2010/main" val="0"/>
+              </a:ext>
+            </a:extLst>
+          </a:blip>
+          <a:stretch>
+            <a:fillRect/>
+          </a:stretch>
+        </p:blipFill>
+        <p:spPr>
+          <a:xfrm>
+            <a:off x="368656" y="2188755"/>
+            <a:ext cx="1868518" cy="1393766"/>
+          </a:xfrm>
+          <a:prstGeom prst="rect">
+            <a:avLst/>
+          </a:prstGeom>
+        </p:spPr>
+      </p:pic>
+      <p:pic>
+        <p:nvPicPr>
+          <p:cNvPr id="8" name="Picture 7">
+            <a:extLst>
+              <a:ext uri="{FF2B5EF4-FFF2-40B4-BE49-F238E27FC236}">
+                <a16:creationId xmlns:a16="http://schemas.microsoft.com/office/drawing/2014/main" id="{FB651A8C-DDFF-A42F-5E17-EA9E6EBA0662}"/>
+              </a:ext>
+            </a:extLst>
+          </p:cNvPr>
+          <p:cNvPicPr>
+            <a:picLocks noChangeAspect="1"/>
+          </p:cNvPicPr>
+          <p:nvPr/>
+        </p:nvPicPr>
+        <p:blipFill>
+          <a:blip r:embed="rId4">
+            <a:extLst>
+              <a:ext uri="{28A0092B-C50C-407E-A947-70E740481C1C}">
+                <a14:useLocalDpi xmlns:a14="http://schemas.microsoft.com/office/drawing/2010/main" val="0"/>
+              </a:ext>
+            </a:extLst>
+          </a:blip>
+          <a:stretch>
+            <a:fillRect/>
+          </a:stretch>
+        </p:blipFill>
+        <p:spPr>
+          <a:xfrm>
+            <a:off x="2441360" y="2188755"/>
+            <a:ext cx="1868519" cy="1406937"/>
+          </a:xfrm>
+          <a:prstGeom prst="rect">
+            <a:avLst/>
+          </a:prstGeom>
+        </p:spPr>
+      </p:pic>
+      <p:pic>
+        <p:nvPicPr>
+          <p:cNvPr id="10" name="Picture 9">
+            <a:extLst>
+              <a:ext uri="{FF2B5EF4-FFF2-40B4-BE49-F238E27FC236}">
+                <a16:creationId xmlns:a16="http://schemas.microsoft.com/office/drawing/2014/main" id="{FEAD8781-7A35-3CD5-C6EC-A2EBED8AFE41}"/>
+              </a:ext>
+            </a:extLst>
+          </p:cNvPr>
+          <p:cNvPicPr>
+            <a:picLocks noChangeAspect="1"/>
+          </p:cNvPicPr>
+          <p:nvPr/>
+        </p:nvPicPr>
+        <p:blipFill>
+          <a:blip r:embed="rId5">
+            <a:extLst>
+              <a:ext uri="{28A0092B-C50C-407E-A947-70E740481C1C}">
+                <a14:useLocalDpi xmlns:a14="http://schemas.microsoft.com/office/drawing/2010/main" val="0"/>
+              </a:ext>
+            </a:extLst>
+          </a:blip>
+          <a:stretch>
+            <a:fillRect/>
+          </a:stretch>
+        </p:blipFill>
+        <p:spPr>
+          <a:xfrm>
+            <a:off x="1389104" y="3649003"/>
+            <a:ext cx="1857536" cy="1406547"/>
+          </a:xfrm>
+          <a:prstGeom prst="rect">
+            <a:avLst/>
+          </a:prstGeom>
+        </p:spPr>
+      </p:pic>
+      <p:pic>
+        <p:nvPicPr>
+          <p:cNvPr id="13" name="Content Placeholder 4">
+            <a:extLst>
+              <a:ext uri="{FF2B5EF4-FFF2-40B4-BE49-F238E27FC236}">
+                <a16:creationId xmlns:a16="http://schemas.microsoft.com/office/drawing/2014/main" id="{483CAB0D-0EDF-D182-21C0-C4A0DFE1E8EF}"/>
               </a:ext>
             </a:extLst>
           </p:cNvPr>
@@ -3397,19 +3516,111 @@
         </p:nvPicPr>
         <p:blipFill rotWithShape="1">
           <a:blip r:embed="rId2"/>
-          <a:srcRect r="16506" b="84251"/>
+          <a:srcRect l="46964" t="36899" r="37505" b="15682"/>
           <a:stretch/>
         </p:blipFill>
         <p:spPr>
           <a:xfrm>
-            <a:off x="3606017" y="5009472"/>
-            <a:ext cx="4623583" cy="395320"/>
+            <a:off x="5398857" y="2265983"/>
+            <a:ext cx="2078489" cy="2876569"/>
           </a:xfrm>
           <a:prstGeom prst="rect">
             <a:avLst/>
           </a:prstGeom>
         </p:spPr>
       </p:pic>
+      <p:sp>
+        <p:nvSpPr>
+          <p:cNvPr id="14" name="Arrow: Right 13">
+            <a:extLst>
+              <a:ext uri="{FF2B5EF4-FFF2-40B4-BE49-F238E27FC236}">
+                <a16:creationId xmlns:a16="http://schemas.microsoft.com/office/drawing/2014/main" id="{132480B2-51ED-C0AA-C3A7-DDF5AAC5DA78}"/>
+              </a:ext>
+            </a:extLst>
+          </p:cNvPr>
+          <p:cNvSpPr/>
+          <p:nvPr/>
+        </p:nvSpPr>
+        <p:spPr>
+          <a:xfrm>
+            <a:off x="4607511" y="3582521"/>
+            <a:ext cx="523782" cy="625495"/>
+          </a:xfrm>
+          <a:prstGeom prst="rightArrow">
+            <a:avLst/>
+          </a:prstGeom>
+        </p:spPr>
+        <p:style>
+          <a:lnRef idx="2">
+            <a:schemeClr val="accent1">
+              <a:shade val="15000"/>
+            </a:schemeClr>
+          </a:lnRef>
+          <a:fillRef idx="1">
+            <a:schemeClr val="accent1"/>
+          </a:fillRef>
+          <a:effectRef idx="0">
+            <a:schemeClr val="accent1"/>
+          </a:effectRef>
+          <a:fontRef idx="minor">
+            <a:schemeClr val="lt1"/>
+          </a:fontRef>
+        </p:style>
+        <p:txBody>
+          <a:bodyPr rtlCol="0" anchor="ctr"/>
+          <a:lstStyle/>
+          <a:p>
+            <a:pPr algn="ctr"/>
+            <a:endParaRPr lang="en-US"/>
+          </a:p>
+        </p:txBody>
+      </p:sp>
+      <p:sp>
+        <p:nvSpPr>
+          <p:cNvPr id="15" name="Arrow: Right 14">
+            <a:extLst>
+              <a:ext uri="{FF2B5EF4-FFF2-40B4-BE49-F238E27FC236}">
+                <a16:creationId xmlns:a16="http://schemas.microsoft.com/office/drawing/2014/main" id="{2C4E8C79-D4DA-BD04-1BE9-5B50799BB2F7}"/>
+              </a:ext>
+            </a:extLst>
+          </p:cNvPr>
+          <p:cNvSpPr/>
+          <p:nvPr/>
+        </p:nvSpPr>
+        <p:spPr>
+          <a:xfrm>
+            <a:off x="8304433" y="3528781"/>
+            <a:ext cx="523782" cy="625495"/>
+          </a:xfrm>
+          <a:prstGeom prst="rightArrow">
+            <a:avLst/>
+          </a:prstGeom>
+        </p:spPr>
+        <p:style>
+          <a:lnRef idx="2">
+            <a:schemeClr val="accent1">
+              <a:shade val="15000"/>
+            </a:schemeClr>
+          </a:lnRef>
+          <a:fillRef idx="1">
+            <a:schemeClr val="accent1"/>
+          </a:fillRef>
+          <a:effectRef idx="0">
+            <a:schemeClr val="accent1"/>
+          </a:effectRef>
+          <a:fontRef idx="minor">
+            <a:schemeClr val="lt1"/>
+          </a:fontRef>
+        </p:style>
+        <p:txBody>
+          <a:bodyPr rtlCol="0" anchor="ctr"/>
+          <a:lstStyle/>
+          <a:p>
+            <a:pPr algn="ctr"/>
+            <a:endParaRPr lang="en-US"/>
+          </a:p>
+        </p:txBody>
+      </p:sp>
     </p:spTree>
     <p:extLst>
       <p:ext uri="{BB962C8B-B14F-4D97-AF65-F5344CB8AC3E}">
@@ -3440,12 +3651,543 @@
           <a:chExt cx="0" cy="0"/>
         </a:xfrm>
       </p:grpSpPr>
+      <p:sp>
+        <p:nvSpPr>
+          <p:cNvPr id="2" name="Title 1">
+            <a:extLst>
+              <a:ext uri="{FF2B5EF4-FFF2-40B4-BE49-F238E27FC236}">
+                <a16:creationId xmlns:a16="http://schemas.microsoft.com/office/drawing/2014/main" id="{E864A40C-90E2-6C1B-0814-339D5F09C916}"/>
+              </a:ext>
+            </a:extLst>
+          </p:cNvPr>
+          <p:cNvSpPr>
+            <a:spLocks noGrp="1"/>
+          </p:cNvSpPr>
+          <p:nvPr>
+            <p:ph type="title"/>
+          </p:nvPr>
+        </p:nvSpPr>
+        <p:spPr/>
+        <p:txBody>
+          <a:bodyPr/>
+          <a:lstStyle/>
+          <a:p>
+            <a:pPr algn="ctr"/>
+            <a:r>
+              <a:rPr lang="en-US" dirty="0"/>
+              <a:t>Define Database/Collection Schema</a:t>
+            </a:r>
+          </a:p>
+        </p:txBody>
+      </p:sp>
+      <p:sp>
+        <p:nvSpPr>
+          <p:cNvPr id="13" name="TextBox 12">
+            <a:extLst>
+              <a:ext uri="{FF2B5EF4-FFF2-40B4-BE49-F238E27FC236}">
+                <a16:creationId xmlns:a16="http://schemas.microsoft.com/office/drawing/2014/main" id="{A27C13E7-C74D-59C2-0A59-D3424FA88F08}"/>
+              </a:ext>
+            </a:extLst>
+          </p:cNvPr>
+          <p:cNvSpPr txBox="1"/>
+          <p:nvPr/>
+        </p:nvSpPr>
+        <p:spPr>
+          <a:xfrm>
+            <a:off x="4798788" y="2019530"/>
+            <a:ext cx="2020682" cy="646331"/>
+          </a:xfrm>
+          <a:prstGeom prst="rect">
+            <a:avLst/>
+          </a:prstGeom>
+          <a:noFill/>
+          <a:ln>
+            <a:solidFill>
+              <a:schemeClr val="accent1"/>
+            </a:solidFill>
+          </a:ln>
+        </p:spPr>
+        <p:txBody>
+          <a:bodyPr wrap="none" rtlCol="0">
+            <a:spAutoFit/>
+          </a:bodyPr>
+          <a:lstStyle/>
+          <a:p>
+            <a:r>
+              <a:rPr lang="en-US" dirty="0"/>
+              <a:t>Collection Schema</a:t>
+            </a:r>
+          </a:p>
+          <a:p>
+            <a:pPr algn="ctr"/>
+            <a:r>
+              <a:rPr lang="en-US" dirty="0"/>
+              <a:t>(name, description)</a:t>
+            </a:r>
+          </a:p>
+        </p:txBody>
+      </p:sp>
+      <p:sp>
+        <p:nvSpPr>
+          <p:cNvPr id="14" name="TextBox 13">
+            <a:extLst>
+              <a:ext uri="{FF2B5EF4-FFF2-40B4-BE49-F238E27FC236}">
+                <a16:creationId xmlns:a16="http://schemas.microsoft.com/office/drawing/2014/main" id="{5DA62434-3583-D119-FC15-53CD45A9F806}"/>
+              </a:ext>
+            </a:extLst>
+          </p:cNvPr>
+          <p:cNvSpPr txBox="1"/>
+          <p:nvPr/>
+        </p:nvSpPr>
+        <p:spPr>
+          <a:xfrm>
+            <a:off x="838200" y="5141683"/>
+            <a:ext cx="1978427" cy="646331"/>
+          </a:xfrm>
+          <a:prstGeom prst="rect">
+            <a:avLst/>
+          </a:prstGeom>
+          <a:noFill/>
+          <a:ln>
+            <a:solidFill>
+              <a:schemeClr val="accent1"/>
+            </a:solidFill>
+          </a:ln>
+        </p:spPr>
+        <p:txBody>
+          <a:bodyPr wrap="none" rtlCol="0">
+            <a:spAutoFit/>
+          </a:bodyPr>
+          <a:lstStyle/>
+          <a:p>
+            <a:pPr algn="ctr"/>
+            <a:r>
+              <a:rPr lang="en-US" dirty="0"/>
+              <a:t>Field Schema 1</a:t>
+            </a:r>
+          </a:p>
+          <a:p>
+            <a:pPr algn="ctr"/>
+            <a:r>
+              <a:rPr lang="en-US" dirty="0"/>
+              <a:t>(name, </a:t>
+            </a:r>
+            <a:r>
+              <a:rPr lang="en-US" dirty="0" err="1"/>
+              <a:t>dtype</a:t>
+            </a:r>
+            <a:r>
+              <a:rPr lang="en-US" dirty="0"/>
+              <a:t>, dim)</a:t>
+            </a:r>
+          </a:p>
+        </p:txBody>
+      </p:sp>
+      <p:sp>
+        <p:nvSpPr>
+          <p:cNvPr id="15" name="TextBox 14">
+            <a:extLst>
+              <a:ext uri="{FF2B5EF4-FFF2-40B4-BE49-F238E27FC236}">
+                <a16:creationId xmlns:a16="http://schemas.microsoft.com/office/drawing/2014/main" id="{6279EDA8-24D9-6227-114B-2453549B92A0}"/>
+              </a:ext>
+            </a:extLst>
+          </p:cNvPr>
+          <p:cNvSpPr txBox="1"/>
+          <p:nvPr/>
+        </p:nvSpPr>
+        <p:spPr>
+          <a:xfrm>
+            <a:off x="3450475" y="5133172"/>
+            <a:ext cx="1978427" cy="646331"/>
+          </a:xfrm>
+          <a:prstGeom prst="rect">
+            <a:avLst/>
+          </a:prstGeom>
+          <a:noFill/>
+          <a:ln>
+            <a:solidFill>
+              <a:schemeClr val="accent1"/>
+            </a:solidFill>
+          </a:ln>
+        </p:spPr>
+        <p:txBody>
+          <a:bodyPr wrap="none" rtlCol="0">
+            <a:spAutoFit/>
+          </a:bodyPr>
+          <a:lstStyle/>
+          <a:p>
+            <a:pPr algn="ctr"/>
+            <a:r>
+              <a:rPr lang="en-US" dirty="0"/>
+              <a:t>Field Schema 1</a:t>
+            </a:r>
+          </a:p>
+          <a:p>
+            <a:pPr algn="ctr"/>
+            <a:r>
+              <a:rPr lang="en-US" dirty="0"/>
+              <a:t>(name, </a:t>
+            </a:r>
+            <a:r>
+              <a:rPr lang="en-US" dirty="0" err="1"/>
+              <a:t>dtype</a:t>
+            </a:r>
+            <a:r>
+              <a:rPr lang="en-US" dirty="0"/>
+              <a:t>, dim)</a:t>
+            </a:r>
+          </a:p>
+        </p:txBody>
+      </p:sp>
+      <p:sp>
+        <p:nvSpPr>
+          <p:cNvPr id="16" name="TextBox 15">
+            <a:extLst>
+              <a:ext uri="{FF2B5EF4-FFF2-40B4-BE49-F238E27FC236}">
+                <a16:creationId xmlns:a16="http://schemas.microsoft.com/office/drawing/2014/main" id="{2E6C1C96-1190-95F8-5E58-267E24A50C28}"/>
+              </a:ext>
+            </a:extLst>
+          </p:cNvPr>
+          <p:cNvSpPr txBox="1"/>
+          <p:nvPr/>
+        </p:nvSpPr>
+        <p:spPr>
+          <a:xfrm>
+            <a:off x="5830257" y="5133171"/>
+            <a:ext cx="1978427" cy="646331"/>
+          </a:xfrm>
+          <a:prstGeom prst="rect">
+            <a:avLst/>
+          </a:prstGeom>
+          <a:noFill/>
+          <a:ln>
+            <a:solidFill>
+              <a:schemeClr val="accent1"/>
+            </a:solidFill>
+          </a:ln>
+        </p:spPr>
+        <p:txBody>
+          <a:bodyPr wrap="none" rtlCol="0">
+            <a:spAutoFit/>
+          </a:bodyPr>
+          <a:lstStyle/>
+          <a:p>
+            <a:pPr algn="ctr"/>
+            <a:r>
+              <a:rPr lang="en-US" dirty="0"/>
+              <a:t>Field Schema 1</a:t>
+            </a:r>
+          </a:p>
+          <a:p>
+            <a:pPr algn="ctr"/>
+            <a:r>
+              <a:rPr lang="en-US" dirty="0"/>
+              <a:t>(name, </a:t>
+            </a:r>
+            <a:r>
+              <a:rPr lang="en-US" dirty="0" err="1"/>
+              <a:t>dtype</a:t>
+            </a:r>
+            <a:r>
+              <a:rPr lang="en-US" dirty="0"/>
+              <a:t>, dim)</a:t>
+            </a:r>
+          </a:p>
+        </p:txBody>
+      </p:sp>
+      <p:sp>
+        <p:nvSpPr>
+          <p:cNvPr id="17" name="TextBox 16">
+            <a:extLst>
+              <a:ext uri="{FF2B5EF4-FFF2-40B4-BE49-F238E27FC236}">
+                <a16:creationId xmlns:a16="http://schemas.microsoft.com/office/drawing/2014/main" id="{AA1C0FB1-B94A-FB9A-9614-90103777B10E}"/>
+              </a:ext>
+            </a:extLst>
+          </p:cNvPr>
+          <p:cNvSpPr txBox="1"/>
+          <p:nvPr/>
+        </p:nvSpPr>
+        <p:spPr>
+          <a:xfrm>
+            <a:off x="8422725" y="5141683"/>
+            <a:ext cx="1978427" cy="646331"/>
+          </a:xfrm>
+          <a:prstGeom prst="rect">
+            <a:avLst/>
+          </a:prstGeom>
+          <a:noFill/>
+          <a:ln>
+            <a:solidFill>
+              <a:schemeClr val="accent1"/>
+            </a:solidFill>
+          </a:ln>
+        </p:spPr>
+        <p:txBody>
+          <a:bodyPr wrap="none" rtlCol="0">
+            <a:spAutoFit/>
+          </a:bodyPr>
+          <a:lstStyle/>
+          <a:p>
+            <a:pPr algn="ctr"/>
+            <a:r>
+              <a:rPr lang="en-US" dirty="0"/>
+              <a:t>Field Schema 1</a:t>
+            </a:r>
+          </a:p>
+          <a:p>
+            <a:pPr algn="ctr"/>
+            <a:r>
+              <a:rPr lang="en-US" dirty="0"/>
+              <a:t>(name, </a:t>
+            </a:r>
+            <a:r>
+              <a:rPr lang="en-US" dirty="0" err="1"/>
+              <a:t>dtype</a:t>
+            </a:r>
+            <a:r>
+              <a:rPr lang="en-US" dirty="0"/>
+              <a:t>, dim)</a:t>
+            </a:r>
+          </a:p>
+        </p:txBody>
+      </p:sp>
+      <p:cxnSp>
+        <p:nvCxnSpPr>
+          <p:cNvPr id="26" name="Straight Arrow Connector 25">
+            <a:extLst>
+              <a:ext uri="{FF2B5EF4-FFF2-40B4-BE49-F238E27FC236}">
+                <a16:creationId xmlns:a16="http://schemas.microsoft.com/office/drawing/2014/main" id="{D69B9C8D-5A9F-97F0-51A5-1318BD2602B6}"/>
+              </a:ext>
+            </a:extLst>
+          </p:cNvPr>
+          <p:cNvCxnSpPr>
+            <a:cxnSpLocks/>
+            <a:stCxn id="13" idx="2"/>
+            <a:endCxn id="14" idx="0"/>
+          </p:cNvCxnSpPr>
+          <p:nvPr/>
+        </p:nvCxnSpPr>
+        <p:spPr>
+          <a:xfrm flipH="1">
+            <a:off x="1827414" y="2665861"/>
+            <a:ext cx="3981715" cy="2475822"/>
+          </a:xfrm>
+          <a:prstGeom prst="straightConnector1">
+            <a:avLst/>
+          </a:prstGeom>
+          <a:ln>
+            <a:tailEnd type="triangle"/>
+          </a:ln>
+        </p:spPr>
+        <p:style>
+          <a:lnRef idx="1">
+            <a:schemeClr val="accent1"/>
+          </a:lnRef>
+          <a:fillRef idx="0">
+            <a:schemeClr val="accent1"/>
+          </a:fillRef>
+          <a:effectRef idx="0">
+            <a:schemeClr val="accent1"/>
+          </a:effectRef>
+          <a:fontRef idx="minor">
+            <a:schemeClr val="tx1"/>
+          </a:fontRef>
+        </p:style>
+      </p:cxnSp>
+      <p:cxnSp>
+        <p:nvCxnSpPr>
+          <p:cNvPr id="28" name="Straight Arrow Connector 27">
+            <a:extLst>
+              <a:ext uri="{FF2B5EF4-FFF2-40B4-BE49-F238E27FC236}">
+                <a16:creationId xmlns:a16="http://schemas.microsoft.com/office/drawing/2014/main" id="{867C8248-CE32-00B3-D48B-6DDE051DF538}"/>
+              </a:ext>
+            </a:extLst>
+          </p:cNvPr>
+          <p:cNvCxnSpPr>
+            <a:cxnSpLocks/>
+            <a:stCxn id="13" idx="2"/>
+            <a:endCxn id="15" idx="0"/>
+          </p:cNvCxnSpPr>
+          <p:nvPr/>
+        </p:nvCxnSpPr>
+        <p:spPr>
+          <a:xfrm flipH="1">
+            <a:off x="4439689" y="2665861"/>
+            <a:ext cx="1369440" cy="2467311"/>
+          </a:xfrm>
+          <a:prstGeom prst="straightConnector1">
+            <a:avLst/>
+          </a:prstGeom>
+          <a:ln>
+            <a:tailEnd type="triangle"/>
+          </a:ln>
+        </p:spPr>
+        <p:style>
+          <a:lnRef idx="1">
+            <a:schemeClr val="accent1"/>
+          </a:lnRef>
+          <a:fillRef idx="0">
+            <a:schemeClr val="accent1"/>
+          </a:fillRef>
+          <a:effectRef idx="0">
+            <a:schemeClr val="accent1"/>
+          </a:effectRef>
+          <a:fontRef idx="minor">
+            <a:schemeClr val="tx1"/>
+          </a:fontRef>
+        </p:style>
+      </p:cxnSp>
+      <p:cxnSp>
+        <p:nvCxnSpPr>
+          <p:cNvPr id="31" name="Straight Arrow Connector 30">
+            <a:extLst>
+              <a:ext uri="{FF2B5EF4-FFF2-40B4-BE49-F238E27FC236}">
+                <a16:creationId xmlns:a16="http://schemas.microsoft.com/office/drawing/2014/main" id="{0EDEB461-DAE1-D1C7-A8AF-040451D4CF8D}"/>
+              </a:ext>
+            </a:extLst>
+          </p:cNvPr>
+          <p:cNvCxnSpPr>
+            <a:cxnSpLocks/>
+            <a:stCxn id="13" idx="2"/>
+            <a:endCxn id="16" idx="0"/>
+          </p:cNvCxnSpPr>
+          <p:nvPr/>
+        </p:nvCxnSpPr>
+        <p:spPr>
+          <a:xfrm>
+            <a:off x="5809129" y="2665861"/>
+            <a:ext cx="1010342" cy="2467310"/>
+          </a:xfrm>
+          <a:prstGeom prst="straightConnector1">
+            <a:avLst/>
+          </a:prstGeom>
+          <a:ln>
+            <a:tailEnd type="triangle"/>
+          </a:ln>
+        </p:spPr>
+        <p:style>
+          <a:lnRef idx="1">
+            <a:schemeClr val="accent1"/>
+          </a:lnRef>
+          <a:fillRef idx="0">
+            <a:schemeClr val="accent1"/>
+          </a:fillRef>
+          <a:effectRef idx="0">
+            <a:schemeClr val="accent1"/>
+          </a:effectRef>
+          <a:fontRef idx="minor">
+            <a:schemeClr val="tx1"/>
+          </a:fontRef>
+        </p:style>
+      </p:cxnSp>
+      <p:cxnSp>
+        <p:nvCxnSpPr>
+          <p:cNvPr id="34" name="Straight Arrow Connector 33">
+            <a:extLst>
+              <a:ext uri="{FF2B5EF4-FFF2-40B4-BE49-F238E27FC236}">
+                <a16:creationId xmlns:a16="http://schemas.microsoft.com/office/drawing/2014/main" id="{BD7DF87F-820E-2C10-2E97-46EBF065B202}"/>
+              </a:ext>
+            </a:extLst>
+          </p:cNvPr>
+          <p:cNvCxnSpPr>
+            <a:cxnSpLocks/>
+            <a:stCxn id="13" idx="2"/>
+            <a:endCxn id="17" idx="0"/>
+          </p:cNvCxnSpPr>
+          <p:nvPr/>
+        </p:nvCxnSpPr>
+        <p:spPr>
+          <a:xfrm>
+            <a:off x="5809129" y="2665861"/>
+            <a:ext cx="3602810" cy="2475822"/>
+          </a:xfrm>
+          <a:prstGeom prst="straightConnector1">
+            <a:avLst/>
+          </a:prstGeom>
+          <a:ln>
+            <a:tailEnd type="triangle"/>
+          </a:ln>
+        </p:spPr>
+        <p:style>
+          <a:lnRef idx="1">
+            <a:schemeClr val="accent1"/>
+          </a:lnRef>
+          <a:fillRef idx="0">
+            <a:schemeClr val="accent1"/>
+          </a:fillRef>
+          <a:effectRef idx="0">
+            <a:schemeClr val="accent1"/>
+          </a:effectRef>
+          <a:fontRef idx="minor">
+            <a:schemeClr val="tx1"/>
+          </a:fontRef>
+        </p:style>
+      </p:cxnSp>
+    </p:spTree>
+    <p:extLst>
+      <p:ext uri="{BB962C8B-B14F-4D97-AF65-F5344CB8AC3E}">
+        <p14:creationId xmlns:p14="http://schemas.microsoft.com/office/powerpoint/2010/main" val="2744343970"/>
+      </p:ext>
+    </p:extLst>
+  </p:cSld>
+  <p:clrMapOvr>
+    <a:masterClrMapping/>
+  </p:clrMapOvr>
+</p:sld>
+</file>
+
+<file path=ppt/slides/slide3.xml><?xml version="1.0" encoding="utf-8"?>
+<p:sld xmlns:a="http://schemas.openxmlformats.org/drawingml/2006/main" xmlns:r="http://schemas.openxmlformats.org/officeDocument/2006/relationships" xmlns:p="http://schemas.openxmlformats.org/presentationml/2006/main">
+  <p:cSld>
+    <p:spTree>
+      <p:nvGrpSpPr>
+        <p:cNvPr id="1" name=""/>
+        <p:cNvGrpSpPr/>
+        <p:nvPr/>
+      </p:nvGrpSpPr>
+      <p:grpSpPr>
+        <a:xfrm>
+          <a:off x="0" y="0"/>
+          <a:ext cx="0" cy="0"/>
+          <a:chOff x="0" y="0"/>
+          <a:chExt cx="0" cy="0"/>
+        </a:xfrm>
+      </p:grpSpPr>
+      <p:sp>
+        <p:nvSpPr>
+          <p:cNvPr id="2" name="Title 1">
+            <a:extLst>
+              <a:ext uri="{FF2B5EF4-FFF2-40B4-BE49-F238E27FC236}">
+                <a16:creationId xmlns:a16="http://schemas.microsoft.com/office/drawing/2014/main" id="{E864A40C-90E2-6C1B-0814-339D5F09C916}"/>
+              </a:ext>
+            </a:extLst>
+          </p:cNvPr>
+          <p:cNvSpPr>
+            <a:spLocks noGrp="1"/>
+          </p:cNvSpPr>
+          <p:nvPr>
+            <p:ph type="title"/>
+          </p:nvPr>
+        </p:nvSpPr>
+        <p:spPr/>
+        <p:txBody>
+          <a:bodyPr/>
+          <a:lstStyle/>
+          <a:p>
+            <a:pPr algn="ctr"/>
+            <a:r>
+              <a:rPr lang="en-US" dirty="0"/>
+              <a:t>Collection = Table | Fields = Columns</a:t>
+            </a:r>
+          </a:p>
+        </p:txBody>
+      </p:sp>
       <p:graphicFrame>
         <p:nvGraphicFramePr>
-          <p:cNvPr id="5" name="Table 4">
-            <a:extLst>
-              <a:ext uri="{FF2B5EF4-FFF2-40B4-BE49-F238E27FC236}">
-                <a16:creationId xmlns:a16="http://schemas.microsoft.com/office/drawing/2014/main" id="{32A8D4AF-A2D5-C30E-766C-5912650DFDF2}"/>
+          <p:cNvPr id="3" name="Table 2">
+            <a:extLst>
+              <a:ext uri="{FF2B5EF4-FFF2-40B4-BE49-F238E27FC236}">
+                <a16:creationId xmlns:a16="http://schemas.microsoft.com/office/drawing/2014/main" id="{717077E4-EC2A-2F28-2C8F-BBA053434C16}"/>
               </a:ext>
             </a:extLst>
           </p:cNvPr>
@@ -3455,13 +4197,13 @@
           <p:nvPr>
             <p:extLst>
               <p:ext uri="{D42A27DB-BD31-4B8C-83A1-F6EECF244321}">
-                <p14:modId xmlns:p14="http://schemas.microsoft.com/office/powerpoint/2010/main" val="1543734689"/>
+                <p14:modId xmlns:p14="http://schemas.microsoft.com/office/powerpoint/2010/main" val="3214213932"/>
               </p:ext>
             </p:extLst>
           </p:nvPr>
         </p:nvGraphicFramePr>
         <p:xfrm>
-          <a:off x="1912270" y="3681086"/>
+          <a:off x="1308589" y="2633521"/>
           <a:ext cx="8924777" cy="2621280"/>
         </p:xfrm>
         <a:graphic>
@@ -3626,7 +4368,7 @@
                           <a:ea typeface="+mn-ea"/>
                           <a:cs typeface="+mn-cs"/>
                         </a:rPr>
-                        <a:t>[-0.6458381414413452, 0.38823872804641724, 0.7556256651878357, …]</a:t>
+                        <a:t>[-0.6458381414413452, 0.38823872804641724, 0.7556256651878357, ……… ]</a:t>
                       </a:r>
                       <a:endParaRPr lang="en-US" sz="1000" dirty="0"/>
                     </a:p>
@@ -3718,7 +4460,7 @@
                           <a:ea typeface="+mn-ea"/>
                           <a:cs typeface="+mn-cs"/>
                         </a:rPr>
-                        <a:t>[-0.1493655890226364, 0.9747080206871033, 1.119510293006897, …]</a:t>
+                        <a:t>[-0.1493655890226364, 0.9747080206871033, 1.119510293006897, ……… ]</a:t>
                       </a:r>
                       <a:endParaRPr lang="en-US" sz="1000" dirty="0"/>
                     </a:p>
@@ -3810,7 +4552,7 @@
                           <a:ea typeface="+mn-ea"/>
                           <a:cs typeface="+mn-cs"/>
                         </a:rPr>
-                        <a:t>[0.166558176279068, 1.6846414804458618, 1.1219409704208374, …]</a:t>
+                        <a:t>[0.166558176279068, 1.6846414804458618, 1.1219409704208374, ……… ]</a:t>
                       </a:r>
                       <a:endParaRPr lang="en-US" sz="1000" dirty="0"/>
                     </a:p>
@@ -3902,7 +4644,7 @@
                           <a:ea typeface="+mn-ea"/>
                           <a:cs typeface="+mn-cs"/>
                         </a:rPr>
-                        <a:t>[-0.8779816031455994, 0.6956443786621094, 1.0266568660736084, …]</a:t>
+                        <a:t>[-0.8779816031455994, 0.6956443786621094, 1.0266568660736084, ……… ]</a:t>
                       </a:r>
                       <a:endParaRPr lang="en-US" sz="1000" dirty="0"/>
                     </a:p>
@@ -3994,7 +4736,7 @@
                           <a:ea typeface="+mn-ea"/>
                           <a:cs typeface="+mn-cs"/>
                         </a:rPr>
-                        <a:t>[-0.6858570575714111, 1.3880631923675537, 1.2627187967300415, …]</a:t>
+                        <a:t>[-0.6858570575714111, 1.3880631923675537, 1.2627187967300415, ……… ]</a:t>
                       </a:r>
                       <a:endParaRPr lang="en-US" sz="1000" dirty="0"/>
                     </a:p>
@@ -4086,7 +4828,7 @@
                           <a:ea typeface="+mn-ea"/>
                           <a:cs typeface="+mn-cs"/>
                         </a:rPr>
-                        <a:t>[-0.2884347438812256, 0.9208322167396545, 1.0908784866333008, …]</a:t>
+                        <a:t>[-0.2884347438812256, 0.9208322167396545, 1.0908784866333008, ……… ]</a:t>
                       </a:r>
                       <a:endParaRPr lang="en-US" sz="1000" dirty="0"/>
                     </a:p>
@@ -4105,10 +4847,10 @@
       </p:graphicFrame>
       <p:sp>
         <p:nvSpPr>
-          <p:cNvPr id="13" name="TextBox 12">
-            <a:extLst>
-              <a:ext uri="{FF2B5EF4-FFF2-40B4-BE49-F238E27FC236}">
-                <a16:creationId xmlns:a16="http://schemas.microsoft.com/office/drawing/2014/main" id="{A27C13E7-C74D-59C2-0A59-D3424FA88F08}"/>
+          <p:cNvPr id="4" name="TextBox 3">
+            <a:extLst>
+              <a:ext uri="{FF2B5EF4-FFF2-40B4-BE49-F238E27FC236}">
+                <a16:creationId xmlns:a16="http://schemas.microsoft.com/office/drawing/2014/main" id="{DC0D4F44-1AC9-792B-037F-4BBE1C7C5282}"/>
               </a:ext>
             </a:extLst>
           </p:cNvPr>
@@ -4117,450 +4859,7 @@
         </p:nvSpPr>
         <p:spPr>
           <a:xfrm>
-            <a:off x="5383976" y="456399"/>
-            <a:ext cx="2020682" cy="646331"/>
-          </a:xfrm>
-          <a:prstGeom prst="rect">
-            <a:avLst/>
-          </a:prstGeom>
-          <a:noFill/>
-          <a:ln>
-            <a:solidFill>
-              <a:schemeClr val="accent1"/>
-            </a:solidFill>
-          </a:ln>
-        </p:spPr>
-        <p:txBody>
-          <a:bodyPr wrap="none" rtlCol="0">
-            <a:spAutoFit/>
-          </a:bodyPr>
-          <a:lstStyle/>
-          <a:p>
-            <a:r>
-              <a:rPr lang="en-US" dirty="0"/>
-              <a:t>Collection Schema</a:t>
-            </a:r>
-          </a:p>
-          <a:p>
-            <a:pPr algn="ctr"/>
-            <a:r>
-              <a:rPr lang="en-US" dirty="0"/>
-              <a:t>(name, description)</a:t>
-            </a:r>
-          </a:p>
-        </p:txBody>
-      </p:sp>
-      <p:sp>
-        <p:nvSpPr>
-          <p:cNvPr id="14" name="TextBox 13">
-            <a:extLst>
-              <a:ext uri="{FF2B5EF4-FFF2-40B4-BE49-F238E27FC236}">
-                <a16:creationId xmlns:a16="http://schemas.microsoft.com/office/drawing/2014/main" id="{5DA62434-3583-D119-FC15-53CD45A9F806}"/>
-              </a:ext>
-            </a:extLst>
-          </p:cNvPr>
-          <p:cNvSpPr txBox="1"/>
-          <p:nvPr/>
-        </p:nvSpPr>
-        <p:spPr>
-          <a:xfrm>
-            <a:off x="1274095" y="2063864"/>
-            <a:ext cx="1978427" cy="646331"/>
-          </a:xfrm>
-          <a:prstGeom prst="rect">
-            <a:avLst/>
-          </a:prstGeom>
-          <a:noFill/>
-          <a:ln>
-            <a:solidFill>
-              <a:schemeClr val="accent1"/>
-            </a:solidFill>
-          </a:ln>
-        </p:spPr>
-        <p:txBody>
-          <a:bodyPr wrap="none" rtlCol="0">
-            <a:spAutoFit/>
-          </a:bodyPr>
-          <a:lstStyle/>
-          <a:p>
-            <a:pPr algn="ctr"/>
-            <a:r>
-              <a:rPr lang="en-US" dirty="0"/>
-              <a:t>Field Schema 1</a:t>
-            </a:r>
-          </a:p>
-          <a:p>
-            <a:pPr algn="ctr"/>
-            <a:r>
-              <a:rPr lang="en-US" dirty="0"/>
-              <a:t>(name, </a:t>
-            </a:r>
-            <a:r>
-              <a:rPr lang="en-US" dirty="0" err="1"/>
-              <a:t>dtype</a:t>
-            </a:r>
-            <a:r>
-              <a:rPr lang="en-US" dirty="0"/>
-              <a:t>, dim)</a:t>
-            </a:r>
-          </a:p>
-        </p:txBody>
-      </p:sp>
-      <p:sp>
-        <p:nvSpPr>
-          <p:cNvPr id="15" name="TextBox 14">
-            <a:extLst>
-              <a:ext uri="{FF2B5EF4-FFF2-40B4-BE49-F238E27FC236}">
-                <a16:creationId xmlns:a16="http://schemas.microsoft.com/office/drawing/2014/main" id="{6279EDA8-24D9-6227-114B-2453549B92A0}"/>
-              </a:ext>
-            </a:extLst>
-          </p:cNvPr>
-          <p:cNvSpPr txBox="1"/>
-          <p:nvPr/>
-        </p:nvSpPr>
-        <p:spPr>
-          <a:xfrm>
-            <a:off x="3886370" y="2055353"/>
-            <a:ext cx="1978427" cy="646331"/>
-          </a:xfrm>
-          <a:prstGeom prst="rect">
-            <a:avLst/>
-          </a:prstGeom>
-          <a:noFill/>
-          <a:ln>
-            <a:solidFill>
-              <a:schemeClr val="accent1"/>
-            </a:solidFill>
-          </a:ln>
-        </p:spPr>
-        <p:txBody>
-          <a:bodyPr wrap="none" rtlCol="0">
-            <a:spAutoFit/>
-          </a:bodyPr>
-          <a:lstStyle/>
-          <a:p>
-            <a:pPr algn="ctr"/>
-            <a:r>
-              <a:rPr lang="en-US" dirty="0"/>
-              <a:t>Field Schema 1</a:t>
-            </a:r>
-          </a:p>
-          <a:p>
-            <a:pPr algn="ctr"/>
-            <a:r>
-              <a:rPr lang="en-US" dirty="0"/>
-              <a:t>(name, </a:t>
-            </a:r>
-            <a:r>
-              <a:rPr lang="en-US" dirty="0" err="1"/>
-              <a:t>dtype</a:t>
-            </a:r>
-            <a:r>
-              <a:rPr lang="en-US" dirty="0"/>
-              <a:t>, dim)</a:t>
-            </a:r>
-          </a:p>
-        </p:txBody>
-      </p:sp>
-      <p:sp>
-        <p:nvSpPr>
-          <p:cNvPr id="16" name="TextBox 15">
-            <a:extLst>
-              <a:ext uri="{FF2B5EF4-FFF2-40B4-BE49-F238E27FC236}">
-                <a16:creationId xmlns:a16="http://schemas.microsoft.com/office/drawing/2014/main" id="{2E6C1C96-1190-95F8-5E58-267E24A50C28}"/>
-              </a:ext>
-            </a:extLst>
-          </p:cNvPr>
-          <p:cNvSpPr txBox="1"/>
-          <p:nvPr/>
-        </p:nvSpPr>
-        <p:spPr>
-          <a:xfrm>
-            <a:off x="6266152" y="2055352"/>
-            <a:ext cx="1978427" cy="646331"/>
-          </a:xfrm>
-          <a:prstGeom prst="rect">
-            <a:avLst/>
-          </a:prstGeom>
-          <a:noFill/>
-          <a:ln>
-            <a:solidFill>
-              <a:schemeClr val="accent1"/>
-            </a:solidFill>
-          </a:ln>
-        </p:spPr>
-        <p:txBody>
-          <a:bodyPr wrap="none" rtlCol="0">
-            <a:spAutoFit/>
-          </a:bodyPr>
-          <a:lstStyle/>
-          <a:p>
-            <a:pPr algn="ctr"/>
-            <a:r>
-              <a:rPr lang="en-US" dirty="0"/>
-              <a:t>Field Schema 1</a:t>
-            </a:r>
-          </a:p>
-          <a:p>
-            <a:pPr algn="ctr"/>
-            <a:r>
-              <a:rPr lang="en-US" dirty="0"/>
-              <a:t>(name, </a:t>
-            </a:r>
-            <a:r>
-              <a:rPr lang="en-US" dirty="0" err="1"/>
-              <a:t>dtype</a:t>
-            </a:r>
-            <a:r>
-              <a:rPr lang="en-US" dirty="0"/>
-              <a:t>, dim)</a:t>
-            </a:r>
-          </a:p>
-        </p:txBody>
-      </p:sp>
-      <p:sp>
-        <p:nvSpPr>
-          <p:cNvPr id="17" name="TextBox 16">
-            <a:extLst>
-              <a:ext uri="{FF2B5EF4-FFF2-40B4-BE49-F238E27FC236}">
-                <a16:creationId xmlns:a16="http://schemas.microsoft.com/office/drawing/2014/main" id="{AA1C0FB1-B94A-FB9A-9614-90103777B10E}"/>
-              </a:ext>
-            </a:extLst>
-          </p:cNvPr>
-          <p:cNvSpPr txBox="1"/>
-          <p:nvPr/>
-        </p:nvSpPr>
-        <p:spPr>
-          <a:xfrm>
-            <a:off x="8858620" y="2063864"/>
-            <a:ext cx="1978427" cy="646331"/>
-          </a:xfrm>
-          <a:prstGeom prst="rect">
-            <a:avLst/>
-          </a:prstGeom>
-          <a:noFill/>
-          <a:ln>
-            <a:solidFill>
-              <a:schemeClr val="accent1"/>
-            </a:solidFill>
-          </a:ln>
-        </p:spPr>
-        <p:txBody>
-          <a:bodyPr wrap="none" rtlCol="0">
-            <a:spAutoFit/>
-          </a:bodyPr>
-          <a:lstStyle/>
-          <a:p>
-            <a:pPr algn="ctr"/>
-            <a:r>
-              <a:rPr lang="en-US" dirty="0"/>
-              <a:t>Field Schema 1</a:t>
-            </a:r>
-          </a:p>
-          <a:p>
-            <a:pPr algn="ctr"/>
-            <a:r>
-              <a:rPr lang="en-US" dirty="0"/>
-              <a:t>(name, </a:t>
-            </a:r>
-            <a:r>
-              <a:rPr lang="en-US" dirty="0" err="1"/>
-              <a:t>dtype</a:t>
-            </a:r>
-            <a:r>
-              <a:rPr lang="en-US" dirty="0"/>
-              <a:t>, dim)</a:t>
-            </a:r>
-          </a:p>
-        </p:txBody>
-      </p:sp>
-      <p:cxnSp>
-        <p:nvCxnSpPr>
-          <p:cNvPr id="26" name="Straight Arrow Connector 25">
-            <a:extLst>
-              <a:ext uri="{FF2B5EF4-FFF2-40B4-BE49-F238E27FC236}">
-                <a16:creationId xmlns:a16="http://schemas.microsoft.com/office/drawing/2014/main" id="{D69B9C8D-5A9F-97F0-51A5-1318BD2602B6}"/>
-              </a:ext>
-            </a:extLst>
-          </p:cNvPr>
-          <p:cNvCxnSpPr>
-            <a:cxnSpLocks/>
-            <a:stCxn id="13" idx="2"/>
-            <a:endCxn id="14" idx="0"/>
-          </p:cNvCxnSpPr>
-          <p:nvPr/>
-        </p:nvCxnSpPr>
-        <p:spPr>
-          <a:xfrm flipH="1">
-            <a:off x="2263309" y="1102730"/>
-            <a:ext cx="4131008" cy="961134"/>
-          </a:xfrm>
-          <a:prstGeom prst="straightConnector1">
-            <a:avLst/>
-          </a:prstGeom>
-          <a:ln>
-            <a:tailEnd type="triangle"/>
-          </a:ln>
-        </p:spPr>
-        <p:style>
-          <a:lnRef idx="1">
-            <a:schemeClr val="accent1"/>
-          </a:lnRef>
-          <a:fillRef idx="0">
-            <a:schemeClr val="accent1"/>
-          </a:fillRef>
-          <a:effectRef idx="0">
-            <a:schemeClr val="accent1"/>
-          </a:effectRef>
-          <a:fontRef idx="minor">
-            <a:schemeClr val="tx1"/>
-          </a:fontRef>
-        </p:style>
-      </p:cxnSp>
-      <p:cxnSp>
-        <p:nvCxnSpPr>
-          <p:cNvPr id="28" name="Straight Arrow Connector 27">
-            <a:extLst>
-              <a:ext uri="{FF2B5EF4-FFF2-40B4-BE49-F238E27FC236}">
-                <a16:creationId xmlns:a16="http://schemas.microsoft.com/office/drawing/2014/main" id="{867C8248-CE32-00B3-D48B-6DDE051DF538}"/>
-              </a:ext>
-            </a:extLst>
-          </p:cNvPr>
-          <p:cNvCxnSpPr>
-            <a:cxnSpLocks/>
-            <a:stCxn id="13" idx="2"/>
-            <a:endCxn id="15" idx="0"/>
-          </p:cNvCxnSpPr>
-          <p:nvPr/>
-        </p:nvCxnSpPr>
-        <p:spPr>
-          <a:xfrm flipH="1">
-            <a:off x="4875584" y="1102730"/>
-            <a:ext cx="1518733" cy="952623"/>
-          </a:xfrm>
-          <a:prstGeom prst="straightConnector1">
-            <a:avLst/>
-          </a:prstGeom>
-          <a:ln>
-            <a:tailEnd type="triangle"/>
-          </a:ln>
-        </p:spPr>
-        <p:style>
-          <a:lnRef idx="1">
-            <a:schemeClr val="accent1"/>
-          </a:lnRef>
-          <a:fillRef idx="0">
-            <a:schemeClr val="accent1"/>
-          </a:fillRef>
-          <a:effectRef idx="0">
-            <a:schemeClr val="accent1"/>
-          </a:effectRef>
-          <a:fontRef idx="minor">
-            <a:schemeClr val="tx1"/>
-          </a:fontRef>
-        </p:style>
-      </p:cxnSp>
-      <p:cxnSp>
-        <p:nvCxnSpPr>
-          <p:cNvPr id="31" name="Straight Arrow Connector 30">
-            <a:extLst>
-              <a:ext uri="{FF2B5EF4-FFF2-40B4-BE49-F238E27FC236}">
-                <a16:creationId xmlns:a16="http://schemas.microsoft.com/office/drawing/2014/main" id="{0EDEB461-DAE1-D1C7-A8AF-040451D4CF8D}"/>
-              </a:ext>
-            </a:extLst>
-          </p:cNvPr>
-          <p:cNvCxnSpPr>
-            <a:cxnSpLocks/>
-            <a:stCxn id="13" idx="2"/>
-            <a:endCxn id="16" idx="0"/>
-          </p:cNvCxnSpPr>
-          <p:nvPr/>
-        </p:nvCxnSpPr>
-        <p:spPr>
-          <a:xfrm>
-            <a:off x="6394317" y="1102730"/>
-            <a:ext cx="861049" cy="952622"/>
-          </a:xfrm>
-          <a:prstGeom prst="straightConnector1">
-            <a:avLst/>
-          </a:prstGeom>
-          <a:ln>
-            <a:tailEnd type="triangle"/>
-          </a:ln>
-        </p:spPr>
-        <p:style>
-          <a:lnRef idx="1">
-            <a:schemeClr val="accent1"/>
-          </a:lnRef>
-          <a:fillRef idx="0">
-            <a:schemeClr val="accent1"/>
-          </a:fillRef>
-          <a:effectRef idx="0">
-            <a:schemeClr val="accent1"/>
-          </a:effectRef>
-          <a:fontRef idx="minor">
-            <a:schemeClr val="tx1"/>
-          </a:fontRef>
-        </p:style>
-      </p:cxnSp>
-      <p:cxnSp>
-        <p:nvCxnSpPr>
-          <p:cNvPr id="34" name="Straight Arrow Connector 33">
-            <a:extLst>
-              <a:ext uri="{FF2B5EF4-FFF2-40B4-BE49-F238E27FC236}">
-                <a16:creationId xmlns:a16="http://schemas.microsoft.com/office/drawing/2014/main" id="{BD7DF87F-820E-2C10-2E97-46EBF065B202}"/>
-              </a:ext>
-            </a:extLst>
-          </p:cNvPr>
-          <p:cNvCxnSpPr>
-            <a:cxnSpLocks/>
-            <a:stCxn id="13" idx="2"/>
-            <a:endCxn id="17" idx="0"/>
-          </p:cNvCxnSpPr>
-          <p:nvPr/>
-        </p:nvCxnSpPr>
-        <p:spPr>
-          <a:xfrm>
-            <a:off x="6394317" y="1102730"/>
-            <a:ext cx="3453517" cy="961134"/>
-          </a:xfrm>
-          <a:prstGeom prst="straightConnector1">
-            <a:avLst/>
-          </a:prstGeom>
-          <a:ln>
-            <a:tailEnd type="triangle"/>
-          </a:ln>
-        </p:spPr>
-        <p:style>
-          <a:lnRef idx="1">
-            <a:schemeClr val="accent1"/>
-          </a:lnRef>
-          <a:fillRef idx="0">
-            <a:schemeClr val="accent1"/>
-          </a:fillRef>
-          <a:effectRef idx="0">
-            <a:schemeClr val="accent1"/>
-          </a:effectRef>
-          <a:fontRef idx="minor">
-            <a:schemeClr val="tx1"/>
-          </a:fontRef>
-        </p:style>
-      </p:cxnSp>
-      <p:sp>
-        <p:nvSpPr>
-          <p:cNvPr id="40" name="TextBox 39">
-            <a:extLst>
-              <a:ext uri="{FF2B5EF4-FFF2-40B4-BE49-F238E27FC236}">
-                <a16:creationId xmlns:a16="http://schemas.microsoft.com/office/drawing/2014/main" id="{28DEC9C3-7D27-56D8-A80B-D890F6774009}"/>
-              </a:ext>
-            </a:extLst>
-          </p:cNvPr>
-          <p:cNvSpPr txBox="1"/>
-          <p:nvPr/>
-        </p:nvSpPr>
-        <p:spPr>
-          <a:xfrm>
-            <a:off x="4445616" y="2821011"/>
+            <a:off x="3841935" y="1773446"/>
             <a:ext cx="3897401" cy="923330"/>
           </a:xfrm>
           <a:prstGeom prst="rect">
@@ -4614,7 +4913,7 @@
     </p:spTree>
     <p:extLst>
       <p:ext uri="{BB962C8B-B14F-4D97-AF65-F5344CB8AC3E}">
-        <p14:creationId xmlns:p14="http://schemas.microsoft.com/office/powerpoint/2010/main" val="3583677596"/>
+        <p14:creationId xmlns:p14="http://schemas.microsoft.com/office/powerpoint/2010/main" val="2810127363"/>
       </p:ext>
     </p:extLst>
   </p:cSld>
@@ -4624,7 +4923,7 @@
 </p:sld>
 </file>
 
-<file path=ppt/slides/slide3.xml><?xml version="1.0" encoding="utf-8"?>
+<file path=ppt/slides/slide4.xml><?xml version="1.0" encoding="utf-8"?>
 <p:sld xmlns:a="http://schemas.openxmlformats.org/drawingml/2006/main" xmlns:r="http://schemas.openxmlformats.org/officeDocument/2006/relationships" xmlns:p="http://schemas.openxmlformats.org/presentationml/2006/main">
   <p:cSld>
     <p:spTree>
@@ -4662,7 +4961,11 @@
           <a:bodyPr/>
           <a:lstStyle/>
           <a:p>
-            <a:endParaRPr lang="en-US"/>
+            <a:pPr algn="ctr"/>
+            <a:r>
+              <a:rPr lang="en-US" dirty="0"/>
+              <a:t>Image Vectors are so long indexing them makes cataloging more efficient</a:t>
+            </a:r>
           </a:p>
         </p:txBody>
       </p:sp>
@@ -4682,16 +4985,15 @@
             <p:ph idx="1"/>
           </p:nvPr>
         </p:nvPicPr>
-        <p:blipFill>
+        <p:blipFill rotWithShape="1">
           <a:blip r:embed="rId2"/>
-          <a:stretch>
-            <a:fillRect/>
-          </a:stretch>
+          <a:srcRect t="13946" r="3290"/>
+          <a:stretch/>
         </p:blipFill>
         <p:spPr>
           <a:xfrm>
-            <a:off x="4052429" y="1887769"/>
-            <a:ext cx="4548780" cy="4351338"/>
+            <a:off x="3537524" y="2183907"/>
+            <a:ext cx="4399113" cy="3744482"/>
           </a:xfrm>
         </p:spPr>
       </p:pic>
@@ -4699,6 +5001,169 @@
     <p:extLst>
       <p:ext uri="{BB962C8B-B14F-4D97-AF65-F5344CB8AC3E}">
         <p14:creationId xmlns:p14="http://schemas.microsoft.com/office/powerpoint/2010/main" val="4022789647"/>
+      </p:ext>
+    </p:extLst>
+  </p:cSld>
+  <p:clrMapOvr>
+    <a:masterClrMapping/>
+  </p:clrMapOvr>
+</p:sld>
+</file>
+
+<file path=ppt/slides/slide5.xml><?xml version="1.0" encoding="utf-8"?>
+<p:sld xmlns:a="http://schemas.openxmlformats.org/drawingml/2006/main" xmlns:r="http://schemas.openxmlformats.org/officeDocument/2006/relationships" xmlns:p="http://schemas.openxmlformats.org/presentationml/2006/main">
+  <p:cSld>
+    <p:spTree>
+      <p:nvGrpSpPr>
+        <p:cNvPr id="1" name=""/>
+        <p:cNvGrpSpPr/>
+        <p:nvPr/>
+      </p:nvGrpSpPr>
+      <p:grpSpPr>
+        <a:xfrm>
+          <a:off x="0" y="0"/>
+          <a:ext cx="0" cy="0"/>
+          <a:chOff x="0" y="0"/>
+          <a:chExt cx="0" cy="0"/>
+        </a:xfrm>
+      </p:grpSpPr>
+      <p:sp>
+        <p:nvSpPr>
+          <p:cNvPr id="2" name="Title 1">
+            <a:extLst>
+              <a:ext uri="{FF2B5EF4-FFF2-40B4-BE49-F238E27FC236}">
+                <a16:creationId xmlns:a16="http://schemas.microsoft.com/office/drawing/2014/main" id="{47B85BEA-2D49-925E-EBA9-12E28005CBB1}"/>
+              </a:ext>
+            </a:extLst>
+          </p:cNvPr>
+          <p:cNvSpPr>
+            <a:spLocks noGrp="1"/>
+          </p:cNvSpPr>
+          <p:nvPr>
+            <p:ph type="title"/>
+          </p:nvPr>
+        </p:nvSpPr>
+        <p:spPr/>
+        <p:txBody>
+          <a:bodyPr/>
+          <a:lstStyle/>
+          <a:p>
+            <a:r>
+              <a:rPr lang="en-US" dirty="0"/>
+              <a:t>Next steps….</a:t>
+            </a:r>
+          </a:p>
+        </p:txBody>
+      </p:sp>
+      <p:sp>
+        <p:nvSpPr>
+          <p:cNvPr id="3" name="Content Placeholder 2">
+            <a:extLst>
+              <a:ext uri="{FF2B5EF4-FFF2-40B4-BE49-F238E27FC236}">
+                <a16:creationId xmlns:a16="http://schemas.microsoft.com/office/drawing/2014/main" id="{104C060B-1F63-3489-C6D5-24A3C781A5EE}"/>
+              </a:ext>
+            </a:extLst>
+          </p:cNvPr>
+          <p:cNvSpPr>
+            <a:spLocks noGrp="1"/>
+          </p:cNvSpPr>
+          <p:nvPr>
+            <p:ph idx="1"/>
+          </p:nvPr>
+        </p:nvSpPr>
+        <p:spPr>
+          <a:xfrm>
+            <a:off x="772885" y="2141537"/>
+            <a:ext cx="10515600" cy="4351338"/>
+          </a:xfrm>
+        </p:spPr>
+        <p:txBody>
+          <a:bodyPr/>
+          <a:lstStyle/>
+          <a:p>
+            <a:pPr>
+              <a:buClr>
+                <a:schemeClr val="accent1">
+                  <a:lumMod val="60000"/>
+                  <a:lumOff val="40000"/>
+                </a:schemeClr>
+              </a:buClr>
+              <a:buSzPct val="107000"/>
+            </a:pPr>
+            <a:r>
+              <a:rPr lang="en-US" dirty="0"/>
+              <a:t>Add more images </a:t>
+            </a:r>
+          </a:p>
+          <a:p>
+            <a:pPr>
+              <a:buClr>
+                <a:schemeClr val="accent1">
+                  <a:lumMod val="60000"/>
+                  <a:lumOff val="40000"/>
+                </a:schemeClr>
+              </a:buClr>
+              <a:buSzPct val="107000"/>
+            </a:pPr>
+            <a:r>
+              <a:rPr lang="en-US" dirty="0"/>
+              <a:t>Add metric for accuracy</a:t>
+            </a:r>
+          </a:p>
+          <a:p>
+            <a:pPr>
+              <a:buClr>
+                <a:schemeClr val="accent1">
+                  <a:lumMod val="60000"/>
+                  <a:lumOff val="40000"/>
+                </a:schemeClr>
+              </a:buClr>
+              <a:buSzPct val="107000"/>
+            </a:pPr>
+            <a:r>
+              <a:rPr lang="en-US" dirty="0"/>
+              <a:t>Use RAG to improve Accuracy</a:t>
+            </a:r>
+          </a:p>
+          <a:p>
+            <a:pPr>
+              <a:buClr>
+                <a:schemeClr val="accent1">
+                  <a:lumMod val="60000"/>
+                  <a:lumOff val="40000"/>
+                </a:schemeClr>
+              </a:buClr>
+              <a:buSzPct val="107000"/>
+            </a:pPr>
+            <a:r>
+              <a:rPr lang="en-US" dirty="0"/>
+              <a:t>Use other models and compare to resnet18</a:t>
+            </a:r>
+          </a:p>
+          <a:p>
+            <a:pPr>
+              <a:buClr>
+                <a:schemeClr val="accent1">
+                  <a:lumMod val="60000"/>
+                  <a:lumOff val="40000"/>
+                </a:schemeClr>
+              </a:buClr>
+              <a:buSzPct val="107000"/>
+            </a:pPr>
+            <a:endParaRPr lang="en-US" dirty="0"/>
+          </a:p>
+          <a:p>
+            <a:pPr marL="0" indent="0">
+              <a:buNone/>
+            </a:pPr>
+            <a:endParaRPr lang="en-US" dirty="0"/>
+          </a:p>
+        </p:txBody>
+      </p:sp>
+    </p:spTree>
+    <p:extLst>
+      <p:ext uri="{BB962C8B-B14F-4D97-AF65-F5344CB8AC3E}">
+        <p14:creationId xmlns:p14="http://schemas.microsoft.com/office/powerpoint/2010/main" val="3459078846"/>
       </p:ext>
     </p:extLst>
   </p:cSld>
